--- a/slides/coral-api-discovery-interim.pptx
+++ b/slides/coral-api-discovery-interim.pptx
@@ -7174,18 +7174,25 @@
               <a:t>=hosts rt=humidity </a:t>
             </a:r>
             <a:r>
-              <a:rPr lang="en-GB" sz="1600" dirty="0" err="1">
+              <a:rPr lang="en-GB" sz="1600" b="1" dirty="0" err="1">
                 <a:latin typeface="Courier" pitchFamily="2" charset="0"/>
                 <a:cs typeface="Consolas" panose="020B0609020204030204" pitchFamily="49" charset="0"/>
               </a:rPr>
               <a:t>href</a:t>
             </a:r>
             <a:r>
+              <a:rPr lang="en-GB" sz="1600" b="1" dirty="0">
+                <a:latin typeface="Courier" pitchFamily="2" charset="0"/>
+                <a:cs typeface="Consolas" panose="020B0609020204030204" pitchFamily="49" charset="0"/>
+              </a:rPr>
+              <a:t>=/hum </a:t>
+            </a:r>
+            <a:r>
               <a:rPr lang="en-GB" sz="1600" dirty="0">
                 <a:latin typeface="Courier" pitchFamily="2" charset="0"/>
                 <a:cs typeface="Consolas" panose="020B0609020204030204" pitchFamily="49" charset="0"/>
               </a:rPr>
-              <a:t>=/hum { </a:t>
+              <a:t>{ </a:t>
             </a:r>
           </a:p>
           <a:p>
@@ -7207,46 +7214,53 @@
               <a:t>			Link </a:t>
             </a:r>
             <a:r>
-              <a:rPr lang="en-GB" sz="1600" dirty="0" err="1">
+              <a:rPr lang="en-GB" sz="1600" b="1" dirty="0" err="1">
                 <a:latin typeface="Courier" pitchFamily="2" charset="0"/>
                 <a:cs typeface="Consolas" panose="020B0609020204030204" pitchFamily="49" charset="0"/>
               </a:rPr>
               <a:t>rel</a:t>
             </a:r>
             <a:r>
+              <a:rPr lang="en-GB" sz="1600" b="1" dirty="0">
+                <a:latin typeface="Courier" pitchFamily="2" charset="0"/>
+                <a:cs typeface="Consolas" panose="020B0609020204030204" pitchFamily="49" charset="0"/>
+              </a:rPr>
+              <a:t>=vocab </a:t>
+            </a:r>
+            <a:r>
+              <a:rPr lang="en-GB" sz="1600" b="1" dirty="0" err="1">
+                <a:latin typeface="Courier" pitchFamily="2" charset="0"/>
+                <a:cs typeface="Consolas" panose="020B0609020204030204" pitchFamily="49" charset="0"/>
+              </a:rPr>
+              <a:t>href</a:t>
+            </a:r>
+            <a:r>
+              <a:rPr lang="en-GB" sz="1600" b="1" dirty="0">
+                <a:latin typeface="Courier" pitchFamily="2" charset="0"/>
+                <a:cs typeface="Consolas" panose="020B0609020204030204" pitchFamily="49" charset="0"/>
+              </a:rPr>
+              <a:t>=/</a:t>
+            </a:r>
+            <a:r>
+              <a:rPr lang="en-GB" sz="1600" b="1" dirty="0" err="1">
+                <a:latin typeface="Courier" pitchFamily="2" charset="0"/>
+                <a:cs typeface="Consolas" panose="020B0609020204030204" pitchFamily="49" charset="0"/>
+              </a:rPr>
+              <a:t>api-dict</a:t>
+            </a:r>
+            <a:r>
+              <a:rPr lang="en-GB" sz="1600" b="1" dirty="0">
+                <a:latin typeface="Courier" pitchFamily="2" charset="0"/>
+                <a:cs typeface="Consolas" panose="020B0609020204030204" pitchFamily="49" charset="0"/>
+              </a:rPr>
+              <a:t> </a:t>
+            </a:r>
+            <a:r>
               <a:rPr lang="en-GB" sz="1600" dirty="0">
                 <a:latin typeface="Courier" pitchFamily="2" charset="0"/>
                 <a:cs typeface="Consolas" panose="020B0609020204030204" pitchFamily="49" charset="0"/>
               </a:rPr>
-              <a:t>=vocab </a:t>
-            </a:r>
-            <a:r>
-              <a:rPr lang="en-GB" sz="1600" dirty="0" err="1">
-                <a:latin typeface="Courier" pitchFamily="2" charset="0"/>
-                <a:cs typeface="Consolas" panose="020B0609020204030204" pitchFamily="49" charset="0"/>
-              </a:rPr>
-              <a:t>href</a:t>
-            </a:r>
-            <a:r>
-              <a:rPr lang="en-GB" sz="1600" dirty="0">
-                <a:latin typeface="Courier" pitchFamily="2" charset="0"/>
-                <a:cs typeface="Consolas" panose="020B0609020204030204" pitchFamily="49" charset="0"/>
-              </a:rPr>
-              <a:t>=/</a:t>
-            </a:r>
-            <a:r>
-              <a:rPr lang="en-GB" sz="1600" dirty="0" err="1">
-                <a:latin typeface="Courier" pitchFamily="2" charset="0"/>
-                <a:cs typeface="Consolas" panose="020B0609020204030204" pitchFamily="49" charset="0"/>
-              </a:rPr>
-              <a:t>api-dict</a:t>
-            </a:r>
-            <a:r>
-              <a:rPr lang="en-GB" sz="1600" dirty="0">
-                <a:latin typeface="Courier" pitchFamily="2" charset="0"/>
-                <a:cs typeface="Consolas" panose="020B0609020204030204" pitchFamily="49" charset="0"/>
-              </a:rPr>
-              <a:t> } </a:t>
+              <a:t>} </a:t>
             </a:r>
           </a:p>
           <a:p>
@@ -7282,18 +7296,25 @@
               <a:t>=hosts rt=configuration </a:t>
             </a:r>
             <a:r>
-              <a:rPr lang="en-GB" sz="1600" dirty="0" err="1">
+              <a:rPr lang="en-GB" sz="1600" b="1" dirty="0" err="1">
                 <a:latin typeface="Courier" pitchFamily="2" charset="0"/>
                 <a:cs typeface="Consolas" panose="020B0609020204030204" pitchFamily="49" charset="0"/>
               </a:rPr>
               <a:t>href</a:t>
             </a:r>
             <a:r>
+              <a:rPr lang="en-GB" sz="1600" b="1" dirty="0">
+                <a:latin typeface="Courier" pitchFamily="2" charset="0"/>
+                <a:cs typeface="Consolas" panose="020B0609020204030204" pitchFamily="49" charset="0"/>
+              </a:rPr>
+              <a:t>=/config </a:t>
+            </a:r>
+            <a:r>
               <a:rPr lang="en-GB" sz="1600" dirty="0">
                 <a:latin typeface="Courier" pitchFamily="2" charset="0"/>
                 <a:cs typeface="Consolas" panose="020B0609020204030204" pitchFamily="49" charset="0"/>
               </a:rPr>
-              <a:t>=/config {</a:t>
+              <a:t>{</a:t>
             </a:r>
           </a:p>
           <a:p>
@@ -7315,60 +7336,67 @@
               <a:t>      			Link </a:t>
             </a:r>
             <a:r>
-              <a:rPr lang="en-GB" sz="1600" dirty="0" err="1">
+              <a:rPr lang="en-GB" sz="1600" b="1" dirty="0" err="1">
                 <a:latin typeface="Courier" pitchFamily="2" charset="0"/>
                 <a:cs typeface="Consolas" panose="020B0609020204030204" pitchFamily="49" charset="0"/>
               </a:rPr>
               <a:t>rel</a:t>
             </a:r>
             <a:r>
+              <a:rPr lang="en-GB" sz="1600" b="1" dirty="0">
+                <a:latin typeface="Courier" pitchFamily="2" charset="0"/>
+                <a:cs typeface="Consolas" panose="020B0609020204030204" pitchFamily="49" charset="0"/>
+              </a:rPr>
+              <a:t>=vocab </a:t>
+            </a:r>
+            <a:r>
+              <a:rPr lang="en-GB" sz="1600" b="1" dirty="0" err="1">
+                <a:latin typeface="Courier" pitchFamily="2" charset="0"/>
+                <a:cs typeface="Consolas" panose="020B0609020204030204" pitchFamily="49" charset="0"/>
+              </a:rPr>
+              <a:t>href</a:t>
+            </a:r>
+            <a:r>
+              <a:rPr lang="en-GB" sz="1600" b="1" dirty="0">
+                <a:latin typeface="Courier" pitchFamily="2" charset="0"/>
+                <a:cs typeface="Consolas" panose="020B0609020204030204" pitchFamily="49" charset="0"/>
+              </a:rPr>
+              <a:t>=https://</a:t>
+            </a:r>
+            <a:r>
+              <a:rPr lang="en-GB" sz="1600" b="1" dirty="0" err="1">
+                <a:latin typeface="Courier" pitchFamily="2" charset="0"/>
+                <a:cs typeface="Consolas" panose="020B0609020204030204" pitchFamily="49" charset="0"/>
+              </a:rPr>
+              <a:t>googley.eye</a:t>
+            </a:r>
+            <a:r>
+              <a:rPr lang="en-GB" sz="1600" b="1" dirty="0">
+                <a:latin typeface="Courier" pitchFamily="2" charset="0"/>
+                <a:cs typeface="Consolas" panose="020B0609020204030204" pitchFamily="49" charset="0"/>
+              </a:rPr>
+              <a:t>/</a:t>
+            </a:r>
+            <a:r>
+              <a:rPr lang="en-GB" sz="1600" b="1" dirty="0" err="1">
+                <a:latin typeface="Courier" pitchFamily="2" charset="0"/>
+                <a:cs typeface="Consolas" panose="020B0609020204030204" pitchFamily="49" charset="0"/>
+              </a:rPr>
+              <a:t>api-dict</a:t>
+            </a:r>
+            <a:r>
+              <a:rPr lang="en-GB" sz="1600" b="1" dirty="0">
+                <a:latin typeface="Courier" pitchFamily="2" charset="0"/>
+                <a:cs typeface="Consolas" panose="020B0609020204030204" pitchFamily="49" charset="0"/>
+              </a:rPr>
+              <a:t> </a:t>
+            </a:r>
+            <a:r>
               <a:rPr lang="en-GB" sz="1600" dirty="0">
                 <a:latin typeface="Courier" pitchFamily="2" charset="0"/>
                 <a:cs typeface="Consolas" panose="020B0609020204030204" pitchFamily="49" charset="0"/>
               </a:rPr>
-              <a:t>=vocab </a:t>
-            </a:r>
-            <a:r>
-              <a:rPr lang="en-GB" sz="1600" dirty="0" err="1">
-                <a:latin typeface="Courier" pitchFamily="2" charset="0"/>
-                <a:cs typeface="Consolas" panose="020B0609020204030204" pitchFamily="49" charset="0"/>
-              </a:rPr>
-              <a:t>href</a:t>
-            </a:r>
-            <a:r>
-              <a:rPr lang="en-GB" sz="1600" dirty="0">
-                <a:latin typeface="Courier" pitchFamily="2" charset="0"/>
-                <a:cs typeface="Consolas" panose="020B0609020204030204" pitchFamily="49" charset="0"/>
-              </a:rPr>
-              <a:t>=https://</a:t>
-            </a:r>
-            <a:r>
-              <a:rPr lang="en-GB" sz="1600" dirty="0" err="1">
-                <a:latin typeface="Courier" pitchFamily="2" charset="0"/>
-                <a:cs typeface="Consolas" panose="020B0609020204030204" pitchFamily="49" charset="0"/>
-              </a:rPr>
-              <a:t>googley.eye</a:t>
-            </a:r>
-            <a:r>
-              <a:rPr lang="en-GB" sz="1600" dirty="0">
-                <a:latin typeface="Courier" pitchFamily="2" charset="0"/>
-                <a:cs typeface="Consolas" panose="020B0609020204030204" pitchFamily="49" charset="0"/>
-              </a:rPr>
-              <a:t>/</a:t>
-            </a:r>
-            <a:r>
-              <a:rPr lang="en-GB" sz="1600" dirty="0" err="1">
-                <a:latin typeface="Courier" pitchFamily="2" charset="0"/>
-                <a:cs typeface="Consolas" panose="020B0609020204030204" pitchFamily="49" charset="0"/>
-              </a:rPr>
-              <a:t>api-dict</a:t>
-            </a:r>
-            <a:r>
-              <a:rPr lang="en-GB" sz="1600" dirty="0">
-                <a:latin typeface="Courier" pitchFamily="2" charset="0"/>
-                <a:cs typeface="Consolas" panose="020B0609020204030204" pitchFamily="49" charset="0"/>
-              </a:rPr>
-              <a:t> }</a:t>
+              <a:t>}</a:t>
             </a:r>
             <a:endParaRPr lang="en-US" altLang="en-US" dirty="0">
               <a:latin typeface="+mj-lt"/>
@@ -8520,38 +8548,35 @@
                 <a:latin typeface="+mj-lt"/>
                 <a:cs typeface="Calibri" panose="020F0502020204030204" pitchFamily="34" charset="0"/>
               </a:rPr>
-              <a:t>New resource </a:t>
+              <a:t>Once resource is found clients can negotiate the vocabulary to be used using the </a:t>
             </a:r>
             <a:r>
               <a:rPr lang="en-US" altLang="en-US" sz="2000" dirty="0">
                 <a:latin typeface="Courier" pitchFamily="2" charset="0"/>
                 <a:cs typeface="Calibri" panose="020F0502020204030204" pitchFamily="34" charset="0"/>
               </a:rPr>
-              <a:t>”/config”</a:t>
-            </a:r>
-            <a:endParaRPr lang="en-US" altLang="en-US" sz="1800" dirty="0">
-              <a:latin typeface="+mj-lt"/>
-              <a:cs typeface="Calibri" panose="020F0502020204030204" pitchFamily="34" charset="0"/>
-            </a:endParaRPr>
-          </a:p>
-          <a:p>
-            <a:pPr>
-              <a:lnSpc>
-                <a:spcPct val="110000"/>
-              </a:lnSpc>
-              <a:buClr>
-                <a:schemeClr val="tx1"/>
-              </a:buClr>
-              <a:buSzPct val="100000"/>
-              <a:buFont typeface="Arial" panose="020B0604020202020204" pitchFamily="34" charset="0"/>
-              <a:buChar char="•"/>
-            </a:pPr>
+              <a:t>“</a:t>
+            </a:r>
+            <a:r>
+              <a:rPr lang="en-US" altLang="en-US" sz="2000" dirty="0" err="1">
+                <a:latin typeface="Courier" pitchFamily="2" charset="0"/>
+                <a:cs typeface="Calibri" panose="020F0502020204030204" pitchFamily="34" charset="0"/>
+              </a:rPr>
+              <a:t>rel</a:t>
+            </a:r>
+            <a:r>
+              <a:rPr lang="en-US" altLang="en-US" sz="2000" dirty="0">
+                <a:latin typeface="Courier" pitchFamily="2" charset="0"/>
+                <a:cs typeface="Calibri" panose="020F0502020204030204" pitchFamily="34" charset="0"/>
+              </a:rPr>
+              <a:t>=vocab”</a:t>
+            </a:r>
             <a:r>
               <a:rPr lang="en-US" altLang="en-US" dirty="0">
                 <a:latin typeface="+mj-lt"/>
                 <a:cs typeface="Calibri" panose="020F0502020204030204" pitchFamily="34" charset="0"/>
               </a:rPr>
-              <a:t>Allows negotiation and modification of the API  </a:t>
+              <a:t> link option.</a:t>
             </a:r>
           </a:p>
           <a:p>
@@ -8781,7 +8806,7 @@
                 <a:latin typeface="Courier" pitchFamily="2" charset="0"/>
                 <a:cs typeface="Consolas" panose="020B0609020204030204" pitchFamily="49" charset="0"/>
               </a:rPr>
-              <a:t>OR</a:t>
+              <a:t>   OR</a:t>
             </a:r>
           </a:p>
           <a:p>
